--- a/doc/Apresentacao-Cronograma.pptx
+++ b/doc/Apresentacao-Cronograma.pptx
@@ -3944,7 +3944,7 @@
             <a:pPr rtl="0"/>
             <a:fld id="{C8CB2839-1C58-4BCF-A979-9A1F76285043}" type="datetime1">
               <a:rPr lang="pt-PT" smtClean="0"/>
-              <a:t>06/10/2021</a:t>
+              <a:t>07/10/2021</a:t>
             </a:fld>
             <a:endParaRPr lang="en-US" dirty="0"/>
           </a:p>
@@ -4114,7 +4114,7 @@
             <a:pPr rtl="0"/>
             <a:fld id="{DEB0334B-A01B-4ED9-84B2-4047E9C40D52}" type="datetime1">
               <a:rPr lang="pt-PT" smtClean="0"/>
-              <a:t>06/10/2021</a:t>
+              <a:t>07/10/2021</a:t>
             </a:fld>
             <a:endParaRPr lang="en-US"/>
           </a:p>
@@ -4628,7 +4628,7 @@
             <a:pPr rtl="0"/>
             <a:fld id="{133C872B-9021-4EB5-978D-88549561B1BF}" type="datetime1">
               <a:rPr lang="pt-PT" smtClean="0"/>
-              <a:t>06/10/2021</a:t>
+              <a:t>07/10/2021</a:t>
             </a:fld>
             <a:endParaRPr lang="en-US" dirty="0"/>
           </a:p>
@@ -4835,7 +4835,7 @@
             <a:pPr rtl="0"/>
             <a:fld id="{D596A2F7-C4B5-4B27-A004-0671785D38D6}" type="datetime1">
               <a:rPr lang="pt-PT" smtClean="0"/>
-              <a:t>06/10/2021</a:t>
+              <a:t>07/10/2021</a:t>
             </a:fld>
             <a:endParaRPr lang="en-US" dirty="0"/>
           </a:p>
@@ -5201,7 +5201,7 @@
             <a:pPr rtl="0"/>
             <a:fld id="{1F6322EC-603C-467A-ABE0-DDADD4D3F055}" type="datetime1">
               <a:rPr lang="pt-PT" smtClean="0"/>
-              <a:t>06/10/2021</a:t>
+              <a:t>07/10/2021</a:t>
             </a:fld>
             <a:endParaRPr lang="en-US" dirty="0"/>
           </a:p>
@@ -5403,7 +5403,7 @@
             <a:pPr rtl="0"/>
             <a:fld id="{9E09E755-EDBC-4192-AC9E-FCC227FEE010}" type="datetime1">
               <a:rPr lang="pt-PT" smtClean="0"/>
-              <a:t>06/10/2021</a:t>
+              <a:t>07/10/2021</a:t>
             </a:fld>
             <a:endParaRPr lang="en-US" dirty="0"/>
           </a:p>
@@ -5719,7 +5719,7 @@
             <a:pPr rtl="0"/>
             <a:fld id="{5D96CFE7-A573-4719-8192-DEF0EFA75C09}" type="datetime1">
               <a:rPr lang="pt-PT" smtClean="0"/>
-              <a:t>06/10/2021</a:t>
+              <a:t>07/10/2021</a:t>
             </a:fld>
             <a:endParaRPr lang="en-US" dirty="0"/>
           </a:p>
@@ -5976,7 +5976,7 @@
             <a:pPr rtl="0"/>
             <a:fld id="{20897C99-EC67-49CE-86D9-F22CCAECAE5E}" type="datetime1">
               <a:rPr lang="pt-PT" smtClean="0"/>
-              <a:t>06/10/2021</a:t>
+              <a:t>07/10/2021</a:t>
             </a:fld>
             <a:endParaRPr lang="en-US" dirty="0"/>
           </a:p>
@@ -6410,7 +6410,7 @@
             <a:pPr rtl="0"/>
             <a:fld id="{BE14A099-40C0-42BE-A240-B8755EA7A0CD}" type="datetime1">
               <a:rPr lang="pt-PT" smtClean="0"/>
-              <a:t>06/10/2021</a:t>
+              <a:t>07/10/2021</a:t>
             </a:fld>
             <a:endParaRPr lang="en-US" dirty="0"/>
           </a:p>
@@ -6537,7 +6537,7 @@
             <a:pPr rtl="0"/>
             <a:fld id="{51700D0E-9E8B-4A9D-866D-52C1587B5C4A}" type="datetime1">
               <a:rPr lang="pt-PT" smtClean="0"/>
-              <a:t>06/10/2021</a:t>
+              <a:t>07/10/2021</a:t>
             </a:fld>
             <a:endParaRPr lang="en-US" dirty="0"/>
           </a:p>
@@ -6635,7 +6635,7 @@
             <a:pPr rtl="0"/>
             <a:fld id="{FB469DDE-4AA9-46B4-8B4B-ABB43359B0EE}" type="datetime1">
               <a:rPr lang="pt-PT" smtClean="0"/>
-              <a:t>06/10/2021</a:t>
+              <a:t>07/10/2021</a:t>
             </a:fld>
             <a:endParaRPr lang="en-US" dirty="0"/>
           </a:p>
@@ -7016,7 +7016,7 @@
             <a:pPr rtl="0"/>
             <a:fld id="{EBD87A0C-49D4-4622-B87D-BA2C1B765D76}" type="datetime1">
               <a:rPr lang="pt-PT" smtClean="0"/>
-              <a:t>06/10/2021</a:t>
+              <a:t>07/10/2021</a:t>
             </a:fld>
             <a:endParaRPr lang="en-US" dirty="0"/>
           </a:p>
@@ -7314,7 +7314,7 @@
             <a:pPr rtl="0"/>
             <a:fld id="{E99E4EDA-B394-40D1-A4AB-5A278200C327}" type="datetime1">
               <a:rPr lang="pt-PT" smtClean="0"/>
-              <a:t>06/10/2021</a:t>
+              <a:t>07/10/2021</a:t>
             </a:fld>
             <a:endParaRPr lang="en-US" dirty="0"/>
           </a:p>
@@ -7532,7 +7532,7 @@
             <a:pPr rtl="0"/>
             <a:fld id="{0B0569AC-F3A4-423E-A7DC-09E1643F31E7}" type="datetime1">
               <a:rPr lang="pt-PT" smtClean="0"/>
-              <a:t>06/10/2021</a:t>
+              <a:t>07/10/2021</a:t>
             </a:fld>
             <a:endParaRPr lang="en-US" dirty="0"/>
           </a:p>
@@ -8300,9 +8300,10 @@
           <a:p>
             <a:pPr rtl="0"/>
             <a:r>
-              <a:rPr lang="pt-pt" dirty="0"/>
-              <a:t>HistoryCar</a:t>
+              <a:rPr lang="pt-pt" dirty="0" err="1"/>
+              <a:t>carbuddy</a:t>
             </a:r>
+            <a:endParaRPr lang="pt-pt" dirty="0"/>
           </a:p>
         </p:txBody>
       </p:sp>
